--- a/Presentation_template1.pptx
+++ b/Presentation_template1.pptx
@@ -114,7 +114,7 @@
   </p:defaultTextStyle>
   <p:extLst>
     <p:ext uri="{EFAFB233-063F-42B5-8137-9DF3F51BA10A}">
-      <p15:sldGuideLst xmlns:p15="http://schemas.microsoft.com/office/powerpoint/2012/main" xmlns="">
+      <p15:sldGuideLst xmlns="" xmlns:p15="http://schemas.microsoft.com/office/powerpoint/2012/main">
         <p15:guide id="1" orient="horz" pos="2160">
           <p15:clr>
             <a:srgbClr val="A4A3A4"/>
@@ -3816,7 +3816,11 @@
           <a:p>
             <a:r>
               <a:rPr lang="en-US" dirty="0" smtClean="0"/>
-              <a:t>It’s architecture composed of </a:t>
+              <a:t>Architecture composed </a:t>
+            </a:r>
+            <a:r>
+              <a:rPr lang="en-US" dirty="0" smtClean="0"/>
+              <a:t>of </a:t>
             </a:r>
           </a:p>
           <a:p>
@@ -3842,8 +3846,21 @@
           <a:p>
             <a:r>
               <a:rPr lang="en-US" dirty="0" smtClean="0"/>
-              <a:t>Engine will generate response and send back to client</a:t>
-            </a:r>
+              <a:t>Engine will generate response and </a:t>
+            </a:r>
+            <a:r>
+              <a:rPr lang="en-US" dirty="0" smtClean="0"/>
+              <a:t>send it </a:t>
+            </a:r>
+            <a:r>
+              <a:rPr lang="en-US" dirty="0" smtClean="0"/>
+              <a:t>back to </a:t>
+            </a:r>
+            <a:r>
+              <a:rPr lang="en-US" dirty="0" smtClean="0"/>
+              <a:t>client.</a:t>
+            </a:r>
+            <a:endParaRPr lang="en-US" dirty="0" smtClean="0"/>
           </a:p>
         </p:txBody>
       </p:sp>
@@ -4092,13 +4109,21 @@
           <a:p>
             <a:r>
               <a:rPr lang="en-US" dirty="0" smtClean="0"/>
-              <a:t>Identify the issue (Trace &amp; IIS)</a:t>
-            </a:r>
-          </a:p>
-          <a:p>
+              <a:t>Identified </a:t>
+            </a:r>
             <a:r>
               <a:rPr lang="en-US" dirty="0" smtClean="0"/>
-              <a:t>Identify the root cause of </a:t>
+              <a:t>the issue (Trace &amp; IIS)</a:t>
+            </a:r>
+          </a:p>
+          <a:p>
+            <a:r>
+              <a:rPr lang="en-US" dirty="0" smtClean="0"/>
+              <a:t>Identified </a:t>
+            </a:r>
+            <a:r>
+              <a:rPr lang="en-US" dirty="0" smtClean="0"/>
+              <a:t>the root cause of </a:t>
             </a:r>
             <a:r>
               <a:rPr lang="en-US" dirty="0"/>
@@ -4117,14 +4142,19 @@
               <a:t>OnReleaseRequestState</a:t>
             </a:r>
             <a:r>
+              <a:rPr lang="en-US" smtClean="0"/>
+              <a:t>)</a:t>
+            </a:r>
+            <a:endParaRPr lang="en-US" dirty="0" smtClean="0"/>
+          </a:p>
+          <a:p>
+            <a:r>
               <a:rPr lang="en-US" dirty="0" smtClean="0"/>
-              <a:t>).</a:t>
-            </a:r>
-          </a:p>
-          <a:p>
+              <a:t>Implemented Custom </a:t>
+            </a:r>
             <a:r>
               <a:rPr lang="en-US" dirty="0" smtClean="0"/>
-              <a:t>Written Custom Session State Provider </a:t>
+              <a:t>Session State Provider </a:t>
             </a:r>
           </a:p>
           <a:p>
@@ -4149,8 +4179,16 @@
           <a:p>
             <a:pPr lvl="1"/>
             <a:r>
+              <a:rPr lang="en-US" dirty="0" err="1" smtClean="0"/>
+              <a:t>Binded</a:t>
+            </a:r>
+            <a:r>
               <a:rPr lang="en-US" dirty="0" smtClean="0"/>
-              <a:t>Hock up the </a:t>
+              <a:t> </a:t>
+            </a:r>
+            <a:r>
+              <a:rPr lang="en-US" dirty="0" smtClean="0"/>
+              <a:t>the </a:t>
             </a:r>
             <a:r>
               <a:rPr lang="en-US" dirty="0" err="1" smtClean="0"/>
@@ -4158,8 +4196,13 @@
             </a:r>
             <a:r>
               <a:rPr lang="en-US" dirty="0" smtClean="0"/>
-              <a:t> method to add required event handlers.</a:t>
-            </a:r>
+              <a:t> method to add required event </a:t>
+            </a:r>
+            <a:r>
+              <a:rPr lang="en-US" dirty="0" smtClean="0"/>
+              <a:t>handlers</a:t>
+            </a:r>
+            <a:endParaRPr lang="en-US" dirty="0" smtClean="0"/>
           </a:p>
           <a:p>
             <a:pPr lvl="1"/>
@@ -4282,9 +4325,10 @@
           <a:lstStyle/>
           <a:p>
             <a:r>
-              <a:rPr lang="en-US" dirty="0"/>
-              <a:t>Written Custom Session State Provider </a:t>
-            </a:r>
+              <a:rPr lang="en-US" dirty="0" smtClean="0"/>
+              <a:t>Contd..</a:t>
+            </a:r>
+            <a:endParaRPr lang="en-US" dirty="0"/>
           </a:p>
           <a:p>
             <a:pPr lvl="1"/>
